--- a/회의록/05_14_회의록.pptx
+++ b/회의록/05_14_회의록.pptx
@@ -244,7 +244,7 @@
           <a:p>
             <a:fld id="{75AA0D74-E308-499E-996D-3795CC691852}" type="datetimeFigureOut">
               <a:rPr lang="ko-KR" altLang="en-US" smtClean="0"/>
-              <a:t>2015-05-15</a:t>
+              <a:t>2015-05-17</a:t>
             </a:fld>
             <a:endParaRPr lang="ko-KR" altLang="en-US"/>
           </a:p>
@@ -414,7 +414,7 @@
           <a:p>
             <a:fld id="{75AA0D74-E308-499E-996D-3795CC691852}" type="datetimeFigureOut">
               <a:rPr lang="ko-KR" altLang="en-US" smtClean="0"/>
-              <a:t>2015-05-15</a:t>
+              <a:t>2015-05-17</a:t>
             </a:fld>
             <a:endParaRPr lang="ko-KR" altLang="en-US"/>
           </a:p>
@@ -594,7 +594,7 @@
           <a:p>
             <a:fld id="{75AA0D74-E308-499E-996D-3795CC691852}" type="datetimeFigureOut">
               <a:rPr lang="ko-KR" altLang="en-US" smtClean="0"/>
-              <a:t>2015-05-15</a:t>
+              <a:t>2015-05-17</a:t>
             </a:fld>
             <a:endParaRPr lang="ko-KR" altLang="en-US"/>
           </a:p>
@@ -764,7 +764,7 @@
           <a:p>
             <a:fld id="{75AA0D74-E308-499E-996D-3795CC691852}" type="datetimeFigureOut">
               <a:rPr lang="ko-KR" altLang="en-US" smtClean="0"/>
-              <a:t>2015-05-15</a:t>
+              <a:t>2015-05-17</a:t>
             </a:fld>
             <a:endParaRPr lang="ko-KR" altLang="en-US"/>
           </a:p>
@@ -1010,7 +1010,7 @@
           <a:p>
             <a:fld id="{75AA0D74-E308-499E-996D-3795CC691852}" type="datetimeFigureOut">
               <a:rPr lang="ko-KR" altLang="en-US" smtClean="0"/>
-              <a:t>2015-05-15</a:t>
+              <a:t>2015-05-17</a:t>
             </a:fld>
             <a:endParaRPr lang="ko-KR" altLang="en-US"/>
           </a:p>
@@ -1242,7 +1242,7 @@
           <a:p>
             <a:fld id="{75AA0D74-E308-499E-996D-3795CC691852}" type="datetimeFigureOut">
               <a:rPr lang="ko-KR" altLang="en-US" smtClean="0"/>
-              <a:t>2015-05-15</a:t>
+              <a:t>2015-05-17</a:t>
             </a:fld>
             <a:endParaRPr lang="ko-KR" altLang="en-US"/>
           </a:p>
@@ -1609,7 +1609,7 @@
           <a:p>
             <a:fld id="{75AA0D74-E308-499E-996D-3795CC691852}" type="datetimeFigureOut">
               <a:rPr lang="ko-KR" altLang="en-US" smtClean="0"/>
-              <a:t>2015-05-15</a:t>
+              <a:t>2015-05-17</a:t>
             </a:fld>
             <a:endParaRPr lang="ko-KR" altLang="en-US"/>
           </a:p>
@@ -1727,7 +1727,7 @@
           <a:p>
             <a:fld id="{75AA0D74-E308-499E-996D-3795CC691852}" type="datetimeFigureOut">
               <a:rPr lang="ko-KR" altLang="en-US" smtClean="0"/>
-              <a:t>2015-05-15</a:t>
+              <a:t>2015-05-17</a:t>
             </a:fld>
             <a:endParaRPr lang="ko-KR" altLang="en-US"/>
           </a:p>
@@ -1822,7 +1822,7 @@
           <a:p>
             <a:fld id="{75AA0D74-E308-499E-996D-3795CC691852}" type="datetimeFigureOut">
               <a:rPr lang="ko-KR" altLang="en-US" smtClean="0"/>
-              <a:t>2015-05-15</a:t>
+              <a:t>2015-05-17</a:t>
             </a:fld>
             <a:endParaRPr lang="ko-KR" altLang="en-US"/>
           </a:p>
@@ -2099,7 +2099,7 @@
           <a:p>
             <a:fld id="{75AA0D74-E308-499E-996D-3795CC691852}" type="datetimeFigureOut">
               <a:rPr lang="ko-KR" altLang="en-US" smtClean="0"/>
-              <a:t>2015-05-15</a:t>
+              <a:t>2015-05-17</a:t>
             </a:fld>
             <a:endParaRPr lang="ko-KR" altLang="en-US"/>
           </a:p>
@@ -2352,7 +2352,7 @@
           <a:p>
             <a:fld id="{75AA0D74-E308-499E-996D-3795CC691852}" type="datetimeFigureOut">
               <a:rPr lang="ko-KR" altLang="en-US" smtClean="0"/>
-              <a:t>2015-05-15</a:t>
+              <a:t>2015-05-17</a:t>
             </a:fld>
             <a:endParaRPr lang="ko-KR" altLang="en-US"/>
           </a:p>
@@ -2565,7 +2565,7 @@
           <a:p>
             <a:fld id="{75AA0D74-E308-499E-996D-3795CC691852}" type="datetimeFigureOut">
               <a:rPr lang="ko-KR" altLang="en-US" smtClean="0"/>
-              <a:t>2015-05-15</a:t>
+              <a:t>2015-05-17</a:t>
             </a:fld>
             <a:endParaRPr lang="ko-KR" altLang="en-US"/>
           </a:p>
@@ -3884,7 +3884,7 @@
         <p:spPr>
           <a:xfrm>
             <a:off x="614855" y="362607"/>
-            <a:ext cx="11035862" cy="5440272"/>
+            <a:ext cx="11035862" cy="5909310"/>
           </a:xfrm>
           <a:prstGeom prst="rect">
             <a:avLst/>
@@ -4050,7 +4050,36 @@
               <a:t> </a:t>
             </a:r>
             <a:r>
-              <a:rPr lang="ko-KR" altLang="en-US" dirty="0" smtClean="0"/>
+              <a:rPr lang="ko-KR" altLang="en-US" dirty="0" smtClean="0">
+                <a:sym typeface="Wingdings" panose="05000000000000000000" pitchFamily="2" charset="2"/>
+              </a:rPr>
+              <a:t>문의</a:t>
+            </a:r>
+            <a:endParaRPr lang="en-US" altLang="ko-KR" dirty="0" smtClean="0">
+              <a:sym typeface="Wingdings" panose="05000000000000000000" pitchFamily="2" charset="2"/>
+            </a:endParaRPr>
+          </a:p>
+          <a:p>
+            <a:pPr marL="342900" indent="-342900">
+              <a:lnSpc>
+                <a:spcPct val="150000"/>
+              </a:lnSpc>
+              <a:buAutoNum type="arabicPeriod"/>
+            </a:pPr>
+            <a:r>
+              <a:rPr lang="ko-KR" altLang="en-US" dirty="0" smtClean="0">
+                <a:sym typeface="Wingdings" panose="05000000000000000000" pitchFamily="2" charset="2"/>
+              </a:rPr>
+              <a:t>가입인사 게시판 </a:t>
+            </a:r>
+            <a:r>
+              <a:rPr lang="en-US" altLang="ko-KR" smtClean="0">
+                <a:sym typeface="Wingdings" panose="05000000000000000000" pitchFamily="2" charset="2"/>
+              </a:rPr>
+              <a:t></a:t>
+            </a:r>
+            <a:r>
+              <a:rPr lang="ko-KR" altLang="en-US" smtClean="0"/>
               <a:t>후기</a:t>
             </a:r>
             <a:endParaRPr lang="en-US" altLang="ko-KR" dirty="0" smtClean="0"/>
